--- a/Hardware/laser cutting.pptx
+++ b/Hardware/laser cutting.pptx
@@ -104,6 +104,11 @@
       </a:defRPr>
     </a:lvl9pPr>
   </p:defaultTextStyle>
+  <p:extLst>
+    <p:ext uri="{EFAFB233-063F-42B5-8137-9DF3F51BA10A}">
+      <p15:sldGuideLst xmlns:p15="http://schemas.microsoft.com/office/powerpoint/2012/main"/>
+    </p:ext>
+  </p:extLst>
 </p:presentation>
 </file>
 
@@ -256,7 +261,7 @@
           <a:p>
             <a:fld id="{388AC828-02D7-4BFB-900A-BF68B74F5A47}" type="datetimeFigureOut">
               <a:rPr lang="en-ZA" smtClean="0"/>
-              <a:t>2023/09/06</a:t>
+              <a:t>2023/09/07</a:t>
             </a:fld>
             <a:endParaRPr lang="en-ZA"/>
           </a:p>
@@ -456,7 +461,7 @@
           <a:p>
             <a:fld id="{388AC828-02D7-4BFB-900A-BF68B74F5A47}" type="datetimeFigureOut">
               <a:rPr lang="en-ZA" smtClean="0"/>
-              <a:t>2023/09/06</a:t>
+              <a:t>2023/09/07</a:t>
             </a:fld>
             <a:endParaRPr lang="en-ZA"/>
           </a:p>
@@ -666,7 +671,7 @@
           <a:p>
             <a:fld id="{388AC828-02D7-4BFB-900A-BF68B74F5A47}" type="datetimeFigureOut">
               <a:rPr lang="en-ZA" smtClean="0"/>
-              <a:t>2023/09/06</a:t>
+              <a:t>2023/09/07</a:t>
             </a:fld>
             <a:endParaRPr lang="en-ZA"/>
           </a:p>
@@ -866,7 +871,7 @@
           <a:p>
             <a:fld id="{388AC828-02D7-4BFB-900A-BF68B74F5A47}" type="datetimeFigureOut">
               <a:rPr lang="en-ZA" smtClean="0"/>
-              <a:t>2023/09/06</a:t>
+              <a:t>2023/09/07</a:t>
             </a:fld>
             <a:endParaRPr lang="en-ZA"/>
           </a:p>
@@ -1142,7 +1147,7 @@
           <a:p>
             <a:fld id="{388AC828-02D7-4BFB-900A-BF68B74F5A47}" type="datetimeFigureOut">
               <a:rPr lang="en-ZA" smtClean="0"/>
-              <a:t>2023/09/06</a:t>
+              <a:t>2023/09/07</a:t>
             </a:fld>
             <a:endParaRPr lang="en-ZA"/>
           </a:p>
@@ -1410,7 +1415,7 @@
           <a:p>
             <a:fld id="{388AC828-02D7-4BFB-900A-BF68B74F5A47}" type="datetimeFigureOut">
               <a:rPr lang="en-ZA" smtClean="0"/>
-              <a:t>2023/09/06</a:t>
+              <a:t>2023/09/07</a:t>
             </a:fld>
             <a:endParaRPr lang="en-ZA"/>
           </a:p>
@@ -1825,7 +1830,7 @@
           <a:p>
             <a:fld id="{388AC828-02D7-4BFB-900A-BF68B74F5A47}" type="datetimeFigureOut">
               <a:rPr lang="en-ZA" smtClean="0"/>
-              <a:t>2023/09/06</a:t>
+              <a:t>2023/09/07</a:t>
             </a:fld>
             <a:endParaRPr lang="en-ZA"/>
           </a:p>
@@ -1967,7 +1972,7 @@
           <a:p>
             <a:fld id="{388AC828-02D7-4BFB-900A-BF68B74F5A47}" type="datetimeFigureOut">
               <a:rPr lang="en-ZA" smtClean="0"/>
-              <a:t>2023/09/06</a:t>
+              <a:t>2023/09/07</a:t>
             </a:fld>
             <a:endParaRPr lang="en-ZA"/>
           </a:p>
@@ -2080,7 +2085,7 @@
           <a:p>
             <a:fld id="{388AC828-02D7-4BFB-900A-BF68B74F5A47}" type="datetimeFigureOut">
               <a:rPr lang="en-ZA" smtClean="0"/>
-              <a:t>2023/09/06</a:t>
+              <a:t>2023/09/07</a:t>
             </a:fld>
             <a:endParaRPr lang="en-ZA"/>
           </a:p>
@@ -2393,7 +2398,7 @@
           <a:p>
             <a:fld id="{388AC828-02D7-4BFB-900A-BF68B74F5A47}" type="datetimeFigureOut">
               <a:rPr lang="en-ZA" smtClean="0"/>
-              <a:t>2023/09/06</a:t>
+              <a:t>2023/09/07</a:t>
             </a:fld>
             <a:endParaRPr lang="en-ZA"/>
           </a:p>
@@ -2682,7 +2687,7 @@
           <a:p>
             <a:fld id="{388AC828-02D7-4BFB-900A-BF68B74F5A47}" type="datetimeFigureOut">
               <a:rPr lang="en-ZA" smtClean="0"/>
-              <a:t>2023/09/06</a:t>
+              <a:t>2023/09/07</a:t>
             </a:fld>
             <a:endParaRPr lang="en-ZA"/>
           </a:p>
@@ -2925,7 +2930,7 @@
           <a:p>
             <a:fld id="{388AC828-02D7-4BFB-900A-BF68B74F5A47}" type="datetimeFigureOut">
               <a:rPr lang="en-ZA" smtClean="0"/>
-              <a:t>2023/09/06</a:t>
+              <a:t>2023/09/07</a:t>
             </a:fld>
             <a:endParaRPr lang="en-ZA"/>
           </a:p>

--- a/Hardware/laser cutting.pptx
+++ b/Hardware/laser cutting.pptx
@@ -6,6 +6,7 @@
   </p:sldMasterIdLst>
   <p:sldIdLst>
     <p:sldId id="256" r:id="rId2"/>
+    <p:sldId id="257" r:id="rId3"/>
   </p:sldIdLst>
   <p:sldSz cx="6858000" cy="9906000" type="A4"/>
   <p:notesSz cx="6858000" cy="9144000"/>
@@ -261,7 +262,7 @@
           <a:p>
             <a:fld id="{388AC828-02D7-4BFB-900A-BF68B74F5A47}" type="datetimeFigureOut">
               <a:rPr lang="en-ZA" smtClean="0"/>
-              <a:t>2023/09/07</a:t>
+              <a:t>2023/09/29</a:t>
             </a:fld>
             <a:endParaRPr lang="en-ZA"/>
           </a:p>
@@ -461,7 +462,7 @@
           <a:p>
             <a:fld id="{388AC828-02D7-4BFB-900A-BF68B74F5A47}" type="datetimeFigureOut">
               <a:rPr lang="en-ZA" smtClean="0"/>
-              <a:t>2023/09/07</a:t>
+              <a:t>2023/09/29</a:t>
             </a:fld>
             <a:endParaRPr lang="en-ZA"/>
           </a:p>
@@ -671,7 +672,7 @@
           <a:p>
             <a:fld id="{388AC828-02D7-4BFB-900A-BF68B74F5A47}" type="datetimeFigureOut">
               <a:rPr lang="en-ZA" smtClean="0"/>
-              <a:t>2023/09/07</a:t>
+              <a:t>2023/09/29</a:t>
             </a:fld>
             <a:endParaRPr lang="en-ZA"/>
           </a:p>
@@ -871,7 +872,7 @@
           <a:p>
             <a:fld id="{388AC828-02D7-4BFB-900A-BF68B74F5A47}" type="datetimeFigureOut">
               <a:rPr lang="en-ZA" smtClean="0"/>
-              <a:t>2023/09/07</a:t>
+              <a:t>2023/09/29</a:t>
             </a:fld>
             <a:endParaRPr lang="en-ZA"/>
           </a:p>
@@ -1147,7 +1148,7 @@
           <a:p>
             <a:fld id="{388AC828-02D7-4BFB-900A-BF68B74F5A47}" type="datetimeFigureOut">
               <a:rPr lang="en-ZA" smtClean="0"/>
-              <a:t>2023/09/07</a:t>
+              <a:t>2023/09/29</a:t>
             </a:fld>
             <a:endParaRPr lang="en-ZA"/>
           </a:p>
@@ -1415,7 +1416,7 @@
           <a:p>
             <a:fld id="{388AC828-02D7-4BFB-900A-BF68B74F5A47}" type="datetimeFigureOut">
               <a:rPr lang="en-ZA" smtClean="0"/>
-              <a:t>2023/09/07</a:t>
+              <a:t>2023/09/29</a:t>
             </a:fld>
             <a:endParaRPr lang="en-ZA"/>
           </a:p>
@@ -1830,7 +1831,7 @@
           <a:p>
             <a:fld id="{388AC828-02D7-4BFB-900A-BF68B74F5A47}" type="datetimeFigureOut">
               <a:rPr lang="en-ZA" smtClean="0"/>
-              <a:t>2023/09/07</a:t>
+              <a:t>2023/09/29</a:t>
             </a:fld>
             <a:endParaRPr lang="en-ZA"/>
           </a:p>
@@ -1972,7 +1973,7 @@
           <a:p>
             <a:fld id="{388AC828-02D7-4BFB-900A-BF68B74F5A47}" type="datetimeFigureOut">
               <a:rPr lang="en-ZA" smtClean="0"/>
-              <a:t>2023/09/07</a:t>
+              <a:t>2023/09/29</a:t>
             </a:fld>
             <a:endParaRPr lang="en-ZA"/>
           </a:p>
@@ -2085,7 +2086,7 @@
           <a:p>
             <a:fld id="{388AC828-02D7-4BFB-900A-BF68B74F5A47}" type="datetimeFigureOut">
               <a:rPr lang="en-ZA" smtClean="0"/>
-              <a:t>2023/09/07</a:t>
+              <a:t>2023/09/29</a:t>
             </a:fld>
             <a:endParaRPr lang="en-ZA"/>
           </a:p>
@@ -2398,7 +2399,7 @@
           <a:p>
             <a:fld id="{388AC828-02D7-4BFB-900A-BF68B74F5A47}" type="datetimeFigureOut">
               <a:rPr lang="en-ZA" smtClean="0"/>
-              <a:t>2023/09/07</a:t>
+              <a:t>2023/09/29</a:t>
             </a:fld>
             <a:endParaRPr lang="en-ZA"/>
           </a:p>
@@ -2687,7 +2688,7 @@
           <a:p>
             <a:fld id="{388AC828-02D7-4BFB-900A-BF68B74F5A47}" type="datetimeFigureOut">
               <a:rPr lang="en-ZA" smtClean="0"/>
-              <a:t>2023/09/07</a:t>
+              <a:t>2023/09/29</a:t>
             </a:fld>
             <a:endParaRPr lang="en-ZA"/>
           </a:p>
@@ -2930,7 +2931,7 @@
           <a:p>
             <a:fld id="{388AC828-02D7-4BFB-900A-BF68B74F5A47}" type="datetimeFigureOut">
               <a:rPr lang="en-ZA" smtClean="0"/>
-              <a:t>2023/09/07</a:t>
+              <a:t>2023/09/29</a:t>
             </a:fld>
             <a:endParaRPr lang="en-ZA"/>
           </a:p>
@@ -4225,10 +4226,659 @@
           </p:txBody>
         </p:sp>
       </p:grpSp>
+      <p:sp>
+        <p:nvSpPr>
+          <p:cNvPr id="2" name="Rectangle 1">
+            <a:extLst>
+              <a:ext uri="{FF2B5EF4-FFF2-40B4-BE49-F238E27FC236}">
+                <a16:creationId xmlns:a16="http://schemas.microsoft.com/office/drawing/2014/main" id="{77617A6E-285A-CAA9-B711-84AB2DD8B972}"/>
+              </a:ext>
+            </a:extLst>
+          </p:cNvPr>
+          <p:cNvSpPr/>
+          <p:nvPr/>
+        </p:nvSpPr>
+        <p:spPr>
+          <a:xfrm>
+            <a:off x="1773000" y="829915"/>
+            <a:ext cx="3313350" cy="3307745"/>
+          </a:xfrm>
+          <a:prstGeom prst="rect">
+            <a:avLst/>
+          </a:prstGeom>
+        </p:spPr>
+        <p:style>
+          <a:lnRef idx="2">
+            <a:schemeClr val="accent1">
+              <a:shade val="15000"/>
+            </a:schemeClr>
+          </a:lnRef>
+          <a:fillRef idx="1">
+            <a:schemeClr val="accent1"/>
+          </a:fillRef>
+          <a:effectRef idx="0">
+            <a:schemeClr val="accent1"/>
+          </a:effectRef>
+          <a:fontRef idx="minor">
+            <a:schemeClr val="lt1"/>
+          </a:fontRef>
+        </p:style>
+        <p:txBody>
+          <a:bodyPr rtlCol="0" anchor="ctr"/>
+          <a:lstStyle/>
+          <a:p>
+            <a:pPr algn="ctr"/>
+            <a:endParaRPr lang="en-ZA"/>
+          </a:p>
+        </p:txBody>
+      </p:sp>
     </p:spTree>
     <p:extLst>
       <p:ext uri="{BB962C8B-B14F-4D97-AF65-F5344CB8AC3E}">
         <p14:creationId xmlns:p14="http://schemas.microsoft.com/office/powerpoint/2010/main" val="179618426"/>
+      </p:ext>
+    </p:extLst>
+  </p:cSld>
+  <p:clrMapOvr>
+    <a:masterClrMapping/>
+  </p:clrMapOvr>
+</p:sld>
+</file>
+
+<file path=ppt/slides/slide2.xml><?xml version="1.0" encoding="utf-8"?>
+<p:sld xmlns:a="http://schemas.openxmlformats.org/drawingml/2006/main" xmlns:r="http://schemas.openxmlformats.org/officeDocument/2006/relationships" xmlns:p="http://schemas.openxmlformats.org/presentationml/2006/main">
+  <p:cSld>
+    <p:spTree>
+      <p:nvGrpSpPr>
+        <p:cNvPr id="1" name=""/>
+        <p:cNvGrpSpPr/>
+        <p:nvPr/>
+      </p:nvGrpSpPr>
+      <p:grpSpPr>
+        <a:xfrm>
+          <a:off x="0" y="0"/>
+          <a:ext cx="0" cy="0"/>
+          <a:chOff x="0" y="0"/>
+          <a:chExt cx="0" cy="0"/>
+        </a:xfrm>
+      </p:grpSpPr>
+      <p:grpSp>
+        <p:nvGrpSpPr>
+          <p:cNvPr id="19" name="Group 18">
+            <a:extLst>
+              <a:ext uri="{FF2B5EF4-FFF2-40B4-BE49-F238E27FC236}">
+                <a16:creationId xmlns:a16="http://schemas.microsoft.com/office/drawing/2014/main" id="{07634DC1-14DA-AB36-380C-232D30464A30}"/>
+              </a:ext>
+            </a:extLst>
+          </p:cNvPr>
+          <p:cNvGrpSpPr/>
+          <p:nvPr/>
+        </p:nvGrpSpPr>
+        <p:grpSpPr>
+          <a:xfrm>
+            <a:off x="466360" y="248920"/>
+            <a:ext cx="2880000" cy="1800000"/>
+            <a:chOff x="466360" y="248920"/>
+            <a:chExt cx="2880000" cy="1800000"/>
+          </a:xfrm>
+        </p:grpSpPr>
+        <p:sp>
+          <p:nvSpPr>
+            <p:cNvPr id="2" name="Rectangle: Rounded Corners 1">
+              <a:extLst>
+                <a:ext uri="{FF2B5EF4-FFF2-40B4-BE49-F238E27FC236}">
+                  <a16:creationId xmlns:a16="http://schemas.microsoft.com/office/drawing/2014/main" id="{8B3FCAAA-BAB3-5B7D-484B-0E0953499148}"/>
+                </a:ext>
+              </a:extLst>
+            </p:cNvPr>
+            <p:cNvSpPr/>
+            <p:nvPr/>
+          </p:nvSpPr>
+          <p:spPr>
+            <a:xfrm>
+              <a:off x="466360" y="248920"/>
+              <a:ext cx="2880000" cy="1800000"/>
+            </a:xfrm>
+            <a:prstGeom prst="roundRect">
+              <a:avLst>
+                <a:gd name="adj" fmla="val 5569"/>
+              </a:avLst>
+            </a:prstGeom>
+            <a:noFill/>
+          </p:spPr>
+          <p:style>
+            <a:lnRef idx="2">
+              <a:schemeClr val="dk1"/>
+            </a:lnRef>
+            <a:fillRef idx="1">
+              <a:schemeClr val="lt1"/>
+            </a:fillRef>
+            <a:effectRef idx="0">
+              <a:schemeClr val="dk1"/>
+            </a:effectRef>
+            <a:fontRef idx="minor">
+              <a:schemeClr val="dk1"/>
+            </a:fontRef>
+          </p:style>
+          <p:txBody>
+            <a:bodyPr rtlCol="0" anchor="ctr"/>
+            <a:lstStyle/>
+            <a:p>
+              <a:pPr algn="ctr"/>
+              <a:endParaRPr lang="en-ZA"/>
+            </a:p>
+          </p:txBody>
+        </p:sp>
+        <p:grpSp>
+          <p:nvGrpSpPr>
+            <p:cNvPr id="11" name="Group 10">
+              <a:extLst>
+                <a:ext uri="{FF2B5EF4-FFF2-40B4-BE49-F238E27FC236}">
+                  <a16:creationId xmlns:a16="http://schemas.microsoft.com/office/drawing/2014/main" id="{F5758F49-FF70-5C16-1D17-D6C04C885074}"/>
+                </a:ext>
+              </a:extLst>
+            </p:cNvPr>
+            <p:cNvGrpSpPr/>
+            <p:nvPr/>
+          </p:nvGrpSpPr>
+          <p:grpSpPr>
+            <a:xfrm>
+              <a:off x="3113680" y="392920"/>
+              <a:ext cx="72000" cy="1512000"/>
+              <a:chOff x="3117490" y="392920"/>
+              <a:chExt cx="72000" cy="1512000"/>
+            </a:xfrm>
+          </p:grpSpPr>
+          <p:sp>
+            <p:nvSpPr>
+              <p:cNvPr id="7" name="Oval 6">
+                <a:extLst>
+                  <a:ext uri="{FF2B5EF4-FFF2-40B4-BE49-F238E27FC236}">
+                    <a16:creationId xmlns:a16="http://schemas.microsoft.com/office/drawing/2014/main" id="{B18E6B27-7D61-9390-465D-8C84E0BCD1F3}"/>
+                  </a:ext>
+                </a:extLst>
+              </p:cNvPr>
+              <p:cNvSpPr/>
+              <p:nvPr/>
+            </p:nvSpPr>
+            <p:spPr>
+              <a:xfrm>
+                <a:off x="3117490" y="392920"/>
+                <a:ext cx="72000" cy="72000"/>
+              </a:xfrm>
+              <a:prstGeom prst="ellipse">
+                <a:avLst/>
+              </a:prstGeom>
+              <a:noFill/>
+              <a:ln w="3175">
+                <a:solidFill>
+                  <a:schemeClr val="tx1"/>
+                </a:solidFill>
+              </a:ln>
+            </p:spPr>
+            <p:style>
+              <a:lnRef idx="2">
+                <a:schemeClr val="dk1"/>
+              </a:lnRef>
+              <a:fillRef idx="1">
+                <a:schemeClr val="lt1"/>
+              </a:fillRef>
+              <a:effectRef idx="0">
+                <a:schemeClr val="dk1"/>
+              </a:effectRef>
+              <a:fontRef idx="minor">
+                <a:schemeClr val="dk1"/>
+              </a:fontRef>
+            </p:style>
+            <p:txBody>
+              <a:bodyPr rtlCol="0" anchor="ctr"/>
+              <a:lstStyle/>
+              <a:p>
+                <a:pPr algn="ctr"/>
+                <a:endParaRPr lang="en-ZA"/>
+              </a:p>
+            </p:txBody>
+          </p:sp>
+          <p:sp>
+            <p:nvSpPr>
+              <p:cNvPr id="8" name="Oval 7">
+                <a:extLst>
+                  <a:ext uri="{FF2B5EF4-FFF2-40B4-BE49-F238E27FC236}">
+                    <a16:creationId xmlns:a16="http://schemas.microsoft.com/office/drawing/2014/main" id="{B83CAAE7-05F4-2AF1-3014-31A44729A86F}"/>
+                  </a:ext>
+                </a:extLst>
+              </p:cNvPr>
+              <p:cNvSpPr/>
+              <p:nvPr/>
+            </p:nvSpPr>
+            <p:spPr>
+              <a:xfrm>
+                <a:off x="3117490" y="1832920"/>
+                <a:ext cx="72000" cy="72000"/>
+              </a:xfrm>
+              <a:prstGeom prst="ellipse">
+                <a:avLst/>
+              </a:prstGeom>
+              <a:noFill/>
+              <a:ln w="3175">
+                <a:solidFill>
+                  <a:schemeClr val="tx1"/>
+                </a:solidFill>
+              </a:ln>
+            </p:spPr>
+            <p:style>
+              <a:lnRef idx="2">
+                <a:schemeClr val="dk1"/>
+              </a:lnRef>
+              <a:fillRef idx="1">
+                <a:schemeClr val="lt1"/>
+              </a:fillRef>
+              <a:effectRef idx="0">
+                <a:schemeClr val="dk1"/>
+              </a:effectRef>
+              <a:fontRef idx="minor">
+                <a:schemeClr val="dk1"/>
+              </a:fontRef>
+            </p:style>
+            <p:txBody>
+              <a:bodyPr rtlCol="0" anchor="ctr"/>
+              <a:lstStyle/>
+              <a:p>
+                <a:pPr algn="ctr"/>
+                <a:endParaRPr lang="en-ZA"/>
+              </a:p>
+            </p:txBody>
+          </p:sp>
+        </p:grpSp>
+        <p:grpSp>
+          <p:nvGrpSpPr>
+            <p:cNvPr id="12" name="Group 11">
+              <a:extLst>
+                <a:ext uri="{FF2B5EF4-FFF2-40B4-BE49-F238E27FC236}">
+                  <a16:creationId xmlns:a16="http://schemas.microsoft.com/office/drawing/2014/main" id="{6C3072C2-0242-FC5F-123F-A7C3509389F2}"/>
+                </a:ext>
+              </a:extLst>
+            </p:cNvPr>
+            <p:cNvGrpSpPr/>
+            <p:nvPr/>
+          </p:nvGrpSpPr>
+          <p:grpSpPr>
+            <a:xfrm>
+              <a:off x="621790" y="392920"/>
+              <a:ext cx="72000" cy="1505610"/>
+              <a:chOff x="610360" y="392920"/>
+              <a:chExt cx="72000" cy="1505610"/>
+            </a:xfrm>
+          </p:grpSpPr>
+          <p:sp>
+            <p:nvSpPr>
+              <p:cNvPr id="9" name="Oval 8">
+                <a:extLst>
+                  <a:ext uri="{FF2B5EF4-FFF2-40B4-BE49-F238E27FC236}">
+                    <a16:creationId xmlns:a16="http://schemas.microsoft.com/office/drawing/2014/main" id="{C0DAE3DA-6C9A-EBC5-7F93-A6C0E7640A15}"/>
+                  </a:ext>
+                </a:extLst>
+              </p:cNvPr>
+              <p:cNvSpPr/>
+              <p:nvPr/>
+            </p:nvSpPr>
+            <p:spPr>
+              <a:xfrm>
+                <a:off x="610360" y="1826530"/>
+                <a:ext cx="72000" cy="72000"/>
+              </a:xfrm>
+              <a:prstGeom prst="ellipse">
+                <a:avLst/>
+              </a:prstGeom>
+              <a:noFill/>
+              <a:ln w="3175">
+                <a:solidFill>
+                  <a:schemeClr val="tx1"/>
+                </a:solidFill>
+              </a:ln>
+            </p:spPr>
+            <p:style>
+              <a:lnRef idx="2">
+                <a:schemeClr val="dk1"/>
+              </a:lnRef>
+              <a:fillRef idx="1">
+                <a:schemeClr val="lt1"/>
+              </a:fillRef>
+              <a:effectRef idx="0">
+                <a:schemeClr val="dk1"/>
+              </a:effectRef>
+              <a:fontRef idx="minor">
+                <a:schemeClr val="dk1"/>
+              </a:fontRef>
+            </p:style>
+            <p:txBody>
+              <a:bodyPr rtlCol="0" anchor="ctr"/>
+              <a:lstStyle/>
+              <a:p>
+                <a:pPr algn="ctr"/>
+                <a:endParaRPr lang="en-ZA"/>
+              </a:p>
+            </p:txBody>
+          </p:sp>
+          <p:sp>
+            <p:nvSpPr>
+              <p:cNvPr id="10" name="Oval 9">
+                <a:extLst>
+                  <a:ext uri="{FF2B5EF4-FFF2-40B4-BE49-F238E27FC236}">
+                    <a16:creationId xmlns:a16="http://schemas.microsoft.com/office/drawing/2014/main" id="{3CA75FDC-2D21-EDC8-EA96-3F526CD56A5C}"/>
+                  </a:ext>
+                </a:extLst>
+              </p:cNvPr>
+              <p:cNvSpPr/>
+              <p:nvPr/>
+            </p:nvSpPr>
+            <p:spPr>
+              <a:xfrm>
+                <a:off x="610360" y="392920"/>
+                <a:ext cx="72000" cy="72000"/>
+              </a:xfrm>
+              <a:prstGeom prst="ellipse">
+                <a:avLst/>
+              </a:prstGeom>
+              <a:noFill/>
+              <a:ln w="3175">
+                <a:solidFill>
+                  <a:schemeClr val="tx1"/>
+                </a:solidFill>
+              </a:ln>
+            </p:spPr>
+            <p:style>
+              <a:lnRef idx="2">
+                <a:schemeClr val="dk1"/>
+              </a:lnRef>
+              <a:fillRef idx="1">
+                <a:schemeClr val="lt1"/>
+              </a:fillRef>
+              <a:effectRef idx="0">
+                <a:schemeClr val="dk1"/>
+              </a:effectRef>
+              <a:fontRef idx="minor">
+                <a:schemeClr val="dk1"/>
+              </a:fontRef>
+            </p:style>
+            <p:txBody>
+              <a:bodyPr rtlCol="0" anchor="ctr"/>
+              <a:lstStyle/>
+              <a:p>
+                <a:pPr algn="ctr"/>
+                <a:endParaRPr lang="en-ZA"/>
+              </a:p>
+            </p:txBody>
+          </p:sp>
+        </p:grpSp>
+      </p:grpSp>
+      <p:grpSp>
+        <p:nvGrpSpPr>
+          <p:cNvPr id="18" name="Group 17">
+            <a:extLst>
+              <a:ext uri="{FF2B5EF4-FFF2-40B4-BE49-F238E27FC236}">
+                <a16:creationId xmlns:a16="http://schemas.microsoft.com/office/drawing/2014/main" id="{5589A941-BA52-7150-4CEA-80327635F0B6}"/>
+              </a:ext>
+            </a:extLst>
+          </p:cNvPr>
+          <p:cNvGrpSpPr/>
+          <p:nvPr/>
+        </p:nvGrpSpPr>
+        <p:grpSpPr>
+          <a:xfrm>
+            <a:off x="1761453" y="775013"/>
+            <a:ext cx="289815" cy="747814"/>
+            <a:chOff x="1543960" y="775013"/>
+            <a:chExt cx="289815" cy="747814"/>
+          </a:xfrm>
+        </p:grpSpPr>
+        <p:grpSp>
+          <p:nvGrpSpPr>
+            <p:cNvPr id="3" name="Group 2">
+              <a:extLst>
+                <a:ext uri="{FF2B5EF4-FFF2-40B4-BE49-F238E27FC236}">
+                  <a16:creationId xmlns:a16="http://schemas.microsoft.com/office/drawing/2014/main" id="{96790FB5-7A35-DE80-6695-86219527063D}"/>
+                </a:ext>
+              </a:extLst>
+            </p:cNvPr>
+            <p:cNvGrpSpPr/>
+            <p:nvPr/>
+          </p:nvGrpSpPr>
+          <p:grpSpPr>
+            <a:xfrm>
+              <a:off x="1543960" y="775013"/>
+              <a:ext cx="72000" cy="747814"/>
+              <a:chOff x="4769680" y="5188086"/>
+              <a:chExt cx="72000" cy="747814"/>
+            </a:xfrm>
+          </p:grpSpPr>
+          <p:sp>
+            <p:nvSpPr>
+              <p:cNvPr id="4" name="Oval 3">
+                <a:extLst>
+                  <a:ext uri="{FF2B5EF4-FFF2-40B4-BE49-F238E27FC236}">
+                    <a16:creationId xmlns:a16="http://schemas.microsoft.com/office/drawing/2014/main" id="{5271E58B-7DF2-C145-8451-D0FD2C90CCF3}"/>
+                  </a:ext>
+                </a:extLst>
+              </p:cNvPr>
+              <p:cNvSpPr/>
+              <p:nvPr/>
+            </p:nvSpPr>
+            <p:spPr>
+              <a:xfrm>
+                <a:off x="4769680" y="5188086"/>
+                <a:ext cx="72000" cy="72000"/>
+              </a:xfrm>
+              <a:prstGeom prst="ellipse">
+                <a:avLst/>
+              </a:prstGeom>
+              <a:noFill/>
+              <a:ln w="3175">
+                <a:solidFill>
+                  <a:schemeClr val="tx1"/>
+                </a:solidFill>
+              </a:ln>
+            </p:spPr>
+            <p:style>
+              <a:lnRef idx="2">
+                <a:schemeClr val="dk1"/>
+              </a:lnRef>
+              <a:fillRef idx="1">
+                <a:schemeClr val="lt1"/>
+              </a:fillRef>
+              <a:effectRef idx="0">
+                <a:schemeClr val="dk1"/>
+              </a:effectRef>
+              <a:fontRef idx="minor">
+                <a:schemeClr val="dk1"/>
+              </a:fontRef>
+            </p:style>
+            <p:txBody>
+              <a:bodyPr rtlCol="0" anchor="ctr"/>
+              <a:lstStyle/>
+              <a:p>
+                <a:pPr algn="ctr"/>
+                <a:endParaRPr lang="en-ZA"/>
+              </a:p>
+            </p:txBody>
+          </p:sp>
+          <p:sp>
+            <p:nvSpPr>
+              <p:cNvPr id="5" name="Oval 4">
+                <a:extLst>
+                  <a:ext uri="{FF2B5EF4-FFF2-40B4-BE49-F238E27FC236}">
+                    <a16:creationId xmlns:a16="http://schemas.microsoft.com/office/drawing/2014/main" id="{F5D70BE2-170C-D7CB-0710-5440FFCC8528}"/>
+                  </a:ext>
+                </a:extLst>
+              </p:cNvPr>
+              <p:cNvSpPr/>
+              <p:nvPr/>
+            </p:nvSpPr>
+            <p:spPr>
+              <a:xfrm>
+                <a:off x="4769680" y="5863900"/>
+                <a:ext cx="72000" cy="72000"/>
+              </a:xfrm>
+              <a:prstGeom prst="ellipse">
+                <a:avLst/>
+              </a:prstGeom>
+              <a:noFill/>
+              <a:ln w="3175">
+                <a:solidFill>
+                  <a:schemeClr val="tx1"/>
+                </a:solidFill>
+              </a:ln>
+            </p:spPr>
+            <p:style>
+              <a:lnRef idx="2">
+                <a:schemeClr val="dk1"/>
+              </a:lnRef>
+              <a:fillRef idx="1">
+                <a:schemeClr val="lt1"/>
+              </a:fillRef>
+              <a:effectRef idx="0">
+                <a:schemeClr val="dk1"/>
+              </a:effectRef>
+              <a:fontRef idx="minor">
+                <a:schemeClr val="dk1"/>
+              </a:fontRef>
+            </p:style>
+            <p:txBody>
+              <a:bodyPr rtlCol="0" anchor="ctr"/>
+              <a:lstStyle/>
+              <a:p>
+                <a:pPr algn="ctr"/>
+                <a:endParaRPr lang="en-ZA"/>
+              </a:p>
+            </p:txBody>
+          </p:sp>
+        </p:grpSp>
+        <p:grpSp>
+          <p:nvGrpSpPr>
+            <p:cNvPr id="13" name="Group 12">
+              <a:extLst>
+                <a:ext uri="{FF2B5EF4-FFF2-40B4-BE49-F238E27FC236}">
+                  <a16:creationId xmlns:a16="http://schemas.microsoft.com/office/drawing/2014/main" id="{BEB6B9C0-BB45-7750-5A24-A0C7B9252E30}"/>
+                </a:ext>
+              </a:extLst>
+            </p:cNvPr>
+            <p:cNvGrpSpPr/>
+            <p:nvPr/>
+          </p:nvGrpSpPr>
+          <p:grpSpPr>
+            <a:xfrm>
+              <a:off x="1761775" y="775013"/>
+              <a:ext cx="72000" cy="747814"/>
+              <a:chOff x="4769680" y="5188086"/>
+              <a:chExt cx="72000" cy="747814"/>
+            </a:xfrm>
+          </p:grpSpPr>
+          <p:sp>
+            <p:nvSpPr>
+              <p:cNvPr id="14" name="Oval 13">
+                <a:extLst>
+                  <a:ext uri="{FF2B5EF4-FFF2-40B4-BE49-F238E27FC236}">
+                    <a16:creationId xmlns:a16="http://schemas.microsoft.com/office/drawing/2014/main" id="{EE62EC7C-9F3C-1B87-2392-52694D74AD24}"/>
+                  </a:ext>
+                </a:extLst>
+              </p:cNvPr>
+              <p:cNvSpPr/>
+              <p:nvPr/>
+            </p:nvSpPr>
+            <p:spPr>
+              <a:xfrm>
+                <a:off x="4769680" y="5188086"/>
+                <a:ext cx="72000" cy="72000"/>
+              </a:xfrm>
+              <a:prstGeom prst="ellipse">
+                <a:avLst/>
+              </a:prstGeom>
+              <a:noFill/>
+              <a:ln w="3175">
+                <a:solidFill>
+                  <a:schemeClr val="tx1"/>
+                </a:solidFill>
+              </a:ln>
+            </p:spPr>
+            <p:style>
+              <a:lnRef idx="2">
+                <a:schemeClr val="dk1"/>
+              </a:lnRef>
+              <a:fillRef idx="1">
+                <a:schemeClr val="lt1"/>
+              </a:fillRef>
+              <a:effectRef idx="0">
+                <a:schemeClr val="dk1"/>
+              </a:effectRef>
+              <a:fontRef idx="minor">
+                <a:schemeClr val="dk1"/>
+              </a:fontRef>
+            </p:style>
+            <p:txBody>
+              <a:bodyPr rtlCol="0" anchor="ctr"/>
+              <a:lstStyle/>
+              <a:p>
+                <a:pPr algn="ctr"/>
+                <a:endParaRPr lang="en-ZA"/>
+              </a:p>
+            </p:txBody>
+          </p:sp>
+          <p:sp>
+            <p:nvSpPr>
+              <p:cNvPr id="15" name="Oval 14">
+                <a:extLst>
+                  <a:ext uri="{FF2B5EF4-FFF2-40B4-BE49-F238E27FC236}">
+                    <a16:creationId xmlns:a16="http://schemas.microsoft.com/office/drawing/2014/main" id="{CD5E5E1F-DC6B-7F3B-4E6B-278E5EF979AF}"/>
+                  </a:ext>
+                </a:extLst>
+              </p:cNvPr>
+              <p:cNvSpPr/>
+              <p:nvPr/>
+            </p:nvSpPr>
+            <p:spPr>
+              <a:xfrm>
+                <a:off x="4769680" y="5863900"/>
+                <a:ext cx="72000" cy="72000"/>
+              </a:xfrm>
+              <a:prstGeom prst="ellipse">
+                <a:avLst/>
+              </a:prstGeom>
+              <a:noFill/>
+              <a:ln w="3175">
+                <a:solidFill>
+                  <a:schemeClr val="tx1"/>
+                </a:solidFill>
+              </a:ln>
+            </p:spPr>
+            <p:style>
+              <a:lnRef idx="2">
+                <a:schemeClr val="dk1"/>
+              </a:lnRef>
+              <a:fillRef idx="1">
+                <a:schemeClr val="lt1"/>
+              </a:fillRef>
+              <a:effectRef idx="0">
+                <a:schemeClr val="dk1"/>
+              </a:effectRef>
+              <a:fontRef idx="minor">
+                <a:schemeClr val="dk1"/>
+              </a:fontRef>
+            </p:style>
+            <p:txBody>
+              <a:bodyPr rtlCol="0" anchor="ctr"/>
+              <a:lstStyle/>
+              <a:p>
+                <a:pPr algn="ctr"/>
+                <a:endParaRPr lang="en-ZA"/>
+              </a:p>
+            </p:txBody>
+          </p:sp>
+        </p:grpSp>
+      </p:grpSp>
+    </p:spTree>
+    <p:extLst>
+      <p:ext uri="{BB962C8B-B14F-4D97-AF65-F5344CB8AC3E}">
+        <p14:creationId xmlns:p14="http://schemas.microsoft.com/office/powerpoint/2010/main" val="1781292224"/>
       </p:ext>
     </p:extLst>
   </p:cSld>

--- a/Hardware/laser cutting.pptx
+++ b/Hardware/laser cutting.pptx
@@ -262,7 +262,7 @@
           <a:p>
             <a:fld id="{388AC828-02D7-4BFB-900A-BF68B74F5A47}" type="datetimeFigureOut">
               <a:rPr lang="en-ZA" smtClean="0"/>
-              <a:t>2023/09/29</a:t>
+              <a:t>2023/10/16</a:t>
             </a:fld>
             <a:endParaRPr lang="en-ZA"/>
           </a:p>
@@ -462,7 +462,7 @@
           <a:p>
             <a:fld id="{388AC828-02D7-4BFB-900A-BF68B74F5A47}" type="datetimeFigureOut">
               <a:rPr lang="en-ZA" smtClean="0"/>
-              <a:t>2023/09/29</a:t>
+              <a:t>2023/10/16</a:t>
             </a:fld>
             <a:endParaRPr lang="en-ZA"/>
           </a:p>
@@ -672,7 +672,7 @@
           <a:p>
             <a:fld id="{388AC828-02D7-4BFB-900A-BF68B74F5A47}" type="datetimeFigureOut">
               <a:rPr lang="en-ZA" smtClean="0"/>
-              <a:t>2023/09/29</a:t>
+              <a:t>2023/10/16</a:t>
             </a:fld>
             <a:endParaRPr lang="en-ZA"/>
           </a:p>
@@ -872,7 +872,7 @@
           <a:p>
             <a:fld id="{388AC828-02D7-4BFB-900A-BF68B74F5A47}" type="datetimeFigureOut">
               <a:rPr lang="en-ZA" smtClean="0"/>
-              <a:t>2023/09/29</a:t>
+              <a:t>2023/10/16</a:t>
             </a:fld>
             <a:endParaRPr lang="en-ZA"/>
           </a:p>
@@ -1148,7 +1148,7 @@
           <a:p>
             <a:fld id="{388AC828-02D7-4BFB-900A-BF68B74F5A47}" type="datetimeFigureOut">
               <a:rPr lang="en-ZA" smtClean="0"/>
-              <a:t>2023/09/29</a:t>
+              <a:t>2023/10/16</a:t>
             </a:fld>
             <a:endParaRPr lang="en-ZA"/>
           </a:p>
@@ -1416,7 +1416,7 @@
           <a:p>
             <a:fld id="{388AC828-02D7-4BFB-900A-BF68B74F5A47}" type="datetimeFigureOut">
               <a:rPr lang="en-ZA" smtClean="0"/>
-              <a:t>2023/09/29</a:t>
+              <a:t>2023/10/16</a:t>
             </a:fld>
             <a:endParaRPr lang="en-ZA"/>
           </a:p>
@@ -1831,7 +1831,7 @@
           <a:p>
             <a:fld id="{388AC828-02D7-4BFB-900A-BF68B74F5A47}" type="datetimeFigureOut">
               <a:rPr lang="en-ZA" smtClean="0"/>
-              <a:t>2023/09/29</a:t>
+              <a:t>2023/10/16</a:t>
             </a:fld>
             <a:endParaRPr lang="en-ZA"/>
           </a:p>
@@ -1973,7 +1973,7 @@
           <a:p>
             <a:fld id="{388AC828-02D7-4BFB-900A-BF68B74F5A47}" type="datetimeFigureOut">
               <a:rPr lang="en-ZA" smtClean="0"/>
-              <a:t>2023/09/29</a:t>
+              <a:t>2023/10/16</a:t>
             </a:fld>
             <a:endParaRPr lang="en-ZA"/>
           </a:p>
@@ -2086,7 +2086,7 @@
           <a:p>
             <a:fld id="{388AC828-02D7-4BFB-900A-BF68B74F5A47}" type="datetimeFigureOut">
               <a:rPr lang="en-ZA" smtClean="0"/>
-              <a:t>2023/09/29</a:t>
+              <a:t>2023/10/16</a:t>
             </a:fld>
             <a:endParaRPr lang="en-ZA"/>
           </a:p>
@@ -2399,7 +2399,7 @@
           <a:p>
             <a:fld id="{388AC828-02D7-4BFB-900A-BF68B74F5A47}" type="datetimeFigureOut">
               <a:rPr lang="en-ZA" smtClean="0"/>
-              <a:t>2023/09/29</a:t>
+              <a:t>2023/10/16</a:t>
             </a:fld>
             <a:endParaRPr lang="en-ZA"/>
           </a:p>
@@ -2688,7 +2688,7 @@
           <a:p>
             <a:fld id="{388AC828-02D7-4BFB-900A-BF68B74F5A47}" type="datetimeFigureOut">
               <a:rPr lang="en-ZA" smtClean="0"/>
-              <a:t>2023/09/29</a:t>
+              <a:t>2023/10/16</a:t>
             </a:fld>
             <a:endParaRPr lang="en-ZA"/>
           </a:p>
@@ -2931,7 +2931,7 @@
           <a:p>
             <a:fld id="{388AC828-02D7-4BFB-900A-BF68B74F5A47}" type="datetimeFigureOut">
               <a:rPr lang="en-ZA" smtClean="0"/>
-              <a:t>2023/09/29</a:t>
+              <a:t>2023/10/16</a:t>
             </a:fld>
             <a:endParaRPr lang="en-ZA"/>
           </a:p>
@@ -4875,6 +4875,53 @@
           </p:sp>
         </p:grpSp>
       </p:grpSp>
+      <p:sp>
+        <p:nvSpPr>
+          <p:cNvPr id="6" name="Rectangle 5">
+            <a:extLst>
+              <a:ext uri="{FF2B5EF4-FFF2-40B4-BE49-F238E27FC236}">
+                <a16:creationId xmlns:a16="http://schemas.microsoft.com/office/drawing/2014/main" id="{3F3FB517-B2A8-65CF-AE83-4D6BCD308BF2}"/>
+              </a:ext>
+            </a:extLst>
+          </p:cNvPr>
+          <p:cNvSpPr/>
+          <p:nvPr/>
+        </p:nvSpPr>
+        <p:spPr>
+          <a:xfrm>
+            <a:off x="466360" y="1898530"/>
+            <a:ext cx="1446260" cy="150390"/>
+          </a:xfrm>
+          <a:prstGeom prst="rect">
+            <a:avLst/>
+          </a:prstGeom>
+          <a:noFill/>
+        </p:spPr>
+        <p:style>
+          <a:lnRef idx="2">
+            <a:schemeClr val="accent1">
+              <a:shade val="15000"/>
+            </a:schemeClr>
+          </a:lnRef>
+          <a:fillRef idx="1">
+            <a:schemeClr val="accent1"/>
+          </a:fillRef>
+          <a:effectRef idx="0">
+            <a:schemeClr val="accent1"/>
+          </a:effectRef>
+          <a:fontRef idx="minor">
+            <a:schemeClr val="lt1"/>
+          </a:fontRef>
+        </p:style>
+        <p:txBody>
+          <a:bodyPr rtlCol="0" anchor="ctr"/>
+          <a:lstStyle/>
+          <a:p>
+            <a:pPr algn="ctr"/>
+            <a:endParaRPr lang="en-ZA"/>
+          </a:p>
+        </p:txBody>
+      </p:sp>
     </p:spTree>
     <p:extLst>
       <p:ext uri="{BB962C8B-B14F-4D97-AF65-F5344CB8AC3E}">
